--- a/fourth_week/4주차_그래프탐색.pptx
+++ b/fourth_week/4주차_그래프탐색.pptx
@@ -20,12 +20,10 @@
     <p:sldId id="269" r:id="rId14"/>
     <p:sldId id="270" r:id="rId15"/>
     <p:sldId id="278" r:id="rId16"/>
-    <p:sldId id="271" r:id="rId17"/>
-    <p:sldId id="272" r:id="rId18"/>
-    <p:sldId id="273" r:id="rId19"/>
-    <p:sldId id="274" r:id="rId20"/>
-    <p:sldId id="276" r:id="rId21"/>
-    <p:sldId id="277" r:id="rId22"/>
+    <p:sldId id="274" r:id="rId17"/>
+    <p:sldId id="279" r:id="rId18"/>
+    <p:sldId id="276" r:id="rId19"/>
+    <p:sldId id="277" r:id="rId20"/>
   </p:sldIdLst>
   <p:sldSz cx="12192000" cy="6858000"/>
   <p:notesSz cx="6858000" cy="9144000"/>
@@ -124,6 +122,11 @@
       </a:defRPr>
     </a:lvl9pPr>
   </p:defaultTextStyle>
+  <p:extLst>
+    <p:ext uri="{EFAFB233-063F-42B5-8137-9DF3F51BA10A}">
+      <p15:sldGuideLst xmlns:p15="http://schemas.microsoft.com/office/powerpoint/2012/main"/>
+    </p:ext>
+  </p:extLst>
 </p:presentation>
 </file>
 
@@ -274,7 +277,7 @@
           <a:p>
             <a:fld id="{57A770C1-047C-4D1F-A992-DFEE8985B7BA}" type="datetimeFigureOut">
               <a:rPr lang="ko-KR" altLang="en-US" smtClean="0"/>
-              <a:t>2023-11-30</a:t>
+              <a:t>2023-12-01</a:t>
             </a:fld>
             <a:endParaRPr lang="ko-KR" altLang="en-US"/>
           </a:p>
@@ -472,7 +475,7 @@
           <a:p>
             <a:fld id="{57A770C1-047C-4D1F-A992-DFEE8985B7BA}" type="datetimeFigureOut">
               <a:rPr lang="ko-KR" altLang="en-US" smtClean="0"/>
-              <a:t>2023-11-30</a:t>
+              <a:t>2023-12-01</a:t>
             </a:fld>
             <a:endParaRPr lang="ko-KR" altLang="en-US"/>
           </a:p>
@@ -680,7 +683,7 @@
           <a:p>
             <a:fld id="{57A770C1-047C-4D1F-A992-DFEE8985B7BA}" type="datetimeFigureOut">
               <a:rPr lang="ko-KR" altLang="en-US" smtClean="0"/>
-              <a:t>2023-11-30</a:t>
+              <a:t>2023-12-01</a:t>
             </a:fld>
             <a:endParaRPr lang="ko-KR" altLang="en-US"/>
           </a:p>
@@ -878,7 +881,7 @@
           <a:p>
             <a:fld id="{57A770C1-047C-4D1F-A992-DFEE8985B7BA}" type="datetimeFigureOut">
               <a:rPr lang="ko-KR" altLang="en-US" smtClean="0"/>
-              <a:t>2023-11-30</a:t>
+              <a:t>2023-12-01</a:t>
             </a:fld>
             <a:endParaRPr lang="ko-KR" altLang="en-US"/>
           </a:p>
@@ -1153,7 +1156,7 @@
           <a:p>
             <a:fld id="{57A770C1-047C-4D1F-A992-DFEE8985B7BA}" type="datetimeFigureOut">
               <a:rPr lang="ko-KR" altLang="en-US" smtClean="0"/>
-              <a:t>2023-11-30</a:t>
+              <a:t>2023-12-01</a:t>
             </a:fld>
             <a:endParaRPr lang="ko-KR" altLang="en-US"/>
           </a:p>
@@ -1418,7 +1421,7 @@
           <a:p>
             <a:fld id="{57A770C1-047C-4D1F-A992-DFEE8985B7BA}" type="datetimeFigureOut">
               <a:rPr lang="ko-KR" altLang="en-US" smtClean="0"/>
-              <a:t>2023-11-30</a:t>
+              <a:t>2023-12-01</a:t>
             </a:fld>
             <a:endParaRPr lang="ko-KR" altLang="en-US"/>
           </a:p>
@@ -1830,7 +1833,7 @@
           <a:p>
             <a:fld id="{57A770C1-047C-4D1F-A992-DFEE8985B7BA}" type="datetimeFigureOut">
               <a:rPr lang="ko-KR" altLang="en-US" smtClean="0"/>
-              <a:t>2023-11-30</a:t>
+              <a:t>2023-12-01</a:t>
             </a:fld>
             <a:endParaRPr lang="ko-KR" altLang="en-US"/>
           </a:p>
@@ -1971,7 +1974,7 @@
           <a:p>
             <a:fld id="{57A770C1-047C-4D1F-A992-DFEE8985B7BA}" type="datetimeFigureOut">
               <a:rPr lang="ko-KR" altLang="en-US" smtClean="0"/>
-              <a:t>2023-11-30</a:t>
+              <a:t>2023-12-01</a:t>
             </a:fld>
             <a:endParaRPr lang="ko-KR" altLang="en-US"/>
           </a:p>
@@ -2084,7 +2087,7 @@
           <a:p>
             <a:fld id="{57A770C1-047C-4D1F-A992-DFEE8985B7BA}" type="datetimeFigureOut">
               <a:rPr lang="ko-KR" altLang="en-US" smtClean="0"/>
-              <a:t>2023-11-30</a:t>
+              <a:t>2023-12-01</a:t>
             </a:fld>
             <a:endParaRPr lang="ko-KR" altLang="en-US"/>
           </a:p>
@@ -2395,7 +2398,7 @@
           <a:p>
             <a:fld id="{57A770C1-047C-4D1F-A992-DFEE8985B7BA}" type="datetimeFigureOut">
               <a:rPr lang="ko-KR" altLang="en-US" smtClean="0"/>
-              <a:t>2023-11-30</a:t>
+              <a:t>2023-12-01</a:t>
             </a:fld>
             <a:endParaRPr lang="ko-KR" altLang="en-US"/>
           </a:p>
@@ -2683,7 +2686,7 @@
           <a:p>
             <a:fld id="{57A770C1-047C-4D1F-A992-DFEE8985B7BA}" type="datetimeFigureOut">
               <a:rPr lang="ko-KR" altLang="en-US" smtClean="0"/>
-              <a:t>2023-11-30</a:t>
+              <a:t>2023-12-01</a:t>
             </a:fld>
             <a:endParaRPr lang="ko-KR" altLang="en-US"/>
           </a:p>
@@ -2924,7 +2927,7 @@
           <a:p>
             <a:fld id="{57A770C1-047C-4D1F-A992-DFEE8985B7BA}" type="datetimeFigureOut">
               <a:rPr lang="ko-KR" altLang="en-US" smtClean="0"/>
-              <a:t>2023-11-30</a:t>
+              <a:t>2023-12-01</a:t>
             </a:fld>
             <a:endParaRPr lang="ko-KR" altLang="en-US"/>
           </a:p>
@@ -7038,7 +7041,7 @@
           <a:p>
             <a:r>
               <a:rPr lang="ko-KR" altLang="en-US" dirty="0"/>
-              <a:t>스택을 활용한 </a:t>
+              <a:t>큐를 활용한 </a:t>
             </a:r>
             <a:r>
               <a:rPr lang="en-US" altLang="ko-KR" dirty="0"/>
@@ -7733,7 +7736,7 @@
           <p:cNvPr id="2" name="제목 1">
             <a:extLst>
               <a:ext uri="{FF2B5EF4-FFF2-40B4-BE49-F238E27FC236}">
-                <a16:creationId xmlns:a16="http://schemas.microsoft.com/office/drawing/2014/main" id="{FC6729A3-8B81-1275-4F61-07E8CB554E4A}"/>
+                <a16:creationId xmlns:a16="http://schemas.microsoft.com/office/drawing/2014/main" id="{58C94653-2541-2A48-9525-ECBFCE3E50D7}"/>
               </a:ext>
             </a:extLst>
           </p:cNvPr>
@@ -7750,17 +7753,26 @@
           <a:lstStyle/>
           <a:p>
             <a:r>
-              <a:rPr lang="ko-KR" altLang="en-US" dirty="0"/>
-              <a:t>큐를 활용한 </a:t>
+              <a:rPr lang="en-US" altLang="ko-KR" dirty="0"/>
+              <a:t>DFS</a:t>
+            </a:r>
+            <a:r>
+              <a:rPr lang="ko-KR" altLang="en-US" dirty="0"/>
+              <a:t> </a:t>
+            </a:r>
+            <a:r>
+              <a:rPr lang="en-US" altLang="ko-KR" dirty="0"/>
+              <a:t>VS</a:t>
+            </a:r>
+            <a:r>
+              <a:rPr lang="ko-KR" altLang="en-US" dirty="0"/>
+              <a:t> </a:t>
             </a:r>
             <a:r>
               <a:rPr lang="en-US" altLang="ko-KR" dirty="0"/>
               <a:t>BFS</a:t>
             </a:r>
-            <a:r>
-              <a:rPr lang="ko-KR" altLang="en-US" dirty="0"/>
-              <a:t>의 탐색과정</a:t>
-            </a:r>
+            <a:endParaRPr lang="ko-KR" altLang="en-US" dirty="0"/>
           </a:p>
         </p:txBody>
       </p:sp>
@@ -7769,7 +7781,7 @@
           <p:cNvPr id="3" name="내용 개체 틀 2">
             <a:extLst>
               <a:ext uri="{FF2B5EF4-FFF2-40B4-BE49-F238E27FC236}">
-                <a16:creationId xmlns:a16="http://schemas.microsoft.com/office/drawing/2014/main" id="{2B86FAB2-83C9-D83C-4F56-32ACF9C8F6A5}"/>
+                <a16:creationId xmlns:a16="http://schemas.microsoft.com/office/drawing/2014/main" id="{3BD66B89-DF1B-F054-7101-1CDEC696B950}"/>
               </a:ext>
             </a:extLst>
           </p:cNvPr>
@@ -7785,14 +7797,148 @@
           <a:bodyPr/>
           <a:lstStyle/>
           <a:p>
-            <a:endParaRPr lang="ko-KR" altLang="en-US"/>
+            <a:r>
+              <a:rPr lang="ko-KR" altLang="en-US" dirty="0"/>
+              <a:t>결론 </a:t>
+            </a:r>
+            <a:r>
+              <a:rPr lang="en-US" altLang="ko-KR" dirty="0"/>
+              <a:t>: </a:t>
+            </a:r>
+            <a:r>
+              <a:rPr lang="ko-KR" altLang="en-US" dirty="0"/>
+              <a:t>높은 확률로 </a:t>
+            </a:r>
+            <a:r>
+              <a:rPr lang="en-US" altLang="ko-KR" dirty="0"/>
+              <a:t>BFS</a:t>
+            </a:r>
+            <a:r>
+              <a:rPr lang="ko-KR" altLang="en-US" dirty="0"/>
+              <a:t>가 유리하다</a:t>
+            </a:r>
+            <a:r>
+              <a:rPr lang="en-US" altLang="ko-KR" dirty="0"/>
+              <a:t>.</a:t>
+            </a:r>
+            <a:br>
+              <a:rPr lang="en-US" altLang="ko-KR" dirty="0"/>
+            </a:br>
+            <a:br>
+              <a:rPr lang="en-US" altLang="ko-KR" dirty="0"/>
+            </a:br>
+            <a:r>
+              <a:rPr lang="en-US" altLang="ko-KR" dirty="0"/>
+              <a:t>1)</a:t>
+            </a:r>
+            <a:r>
+              <a:rPr lang="ko-KR" altLang="en-US" dirty="0"/>
+              <a:t> </a:t>
+            </a:r>
+            <a:r>
+              <a:rPr lang="en-US" altLang="ko-KR" dirty="0"/>
+              <a:t>O(n) = V+E</a:t>
+            </a:r>
+            <a:r>
+              <a:rPr lang="ko-KR" altLang="en-US" dirty="0"/>
+              <a:t> 로서 시간 복잡도는 같지만</a:t>
+            </a:r>
+            <a:r>
+              <a:rPr lang="en-US" altLang="ko-KR" dirty="0"/>
+              <a:t>, </a:t>
+            </a:r>
+            <a:r>
+              <a:rPr lang="ko-KR" altLang="en-US" dirty="0"/>
+              <a:t>탐색 방법의 차이로 속도 차이 존재</a:t>
+            </a:r>
+            <a:br>
+              <a:rPr lang="en-US" altLang="ko-KR" dirty="0"/>
+            </a:br>
+            <a:br>
+              <a:rPr lang="en-US" altLang="ko-KR" dirty="0"/>
+            </a:br>
+            <a:r>
+              <a:rPr lang="en-US" altLang="ko-KR" dirty="0"/>
+              <a:t>2) BFS </a:t>
+            </a:r>
+            <a:r>
+              <a:rPr lang="ko-KR" altLang="en-US" dirty="0"/>
+              <a:t>와 </a:t>
+            </a:r>
+            <a:r>
+              <a:rPr lang="en-US" altLang="ko-KR" dirty="0"/>
+              <a:t>DFS</a:t>
+            </a:r>
+            <a:r>
+              <a:rPr lang="ko-KR" altLang="en-US" dirty="0"/>
+              <a:t>의 구현난이도는 거의 비슷하다</a:t>
+            </a:r>
+            <a:r>
+              <a:rPr lang="en-US" altLang="ko-KR" dirty="0"/>
+              <a:t>.</a:t>
+            </a:r>
+            <a:br>
+              <a:rPr lang="en-US" altLang="ko-KR" dirty="0"/>
+            </a:br>
+            <a:br>
+              <a:rPr lang="en-US" altLang="ko-KR" dirty="0"/>
+            </a:br>
+            <a:r>
+              <a:rPr lang="en-US" altLang="ko-KR" dirty="0"/>
+              <a:t>3) BFS</a:t>
+            </a:r>
+            <a:r>
+              <a:rPr lang="ko-KR" altLang="en-US" dirty="0"/>
+              <a:t>의 구현 생김새는 </a:t>
+            </a:r>
+            <a:r>
+              <a:rPr lang="en-US" altLang="ko-KR" dirty="0"/>
+              <a:t>Dijkstra, Prim </a:t>
+            </a:r>
+            <a:r>
+              <a:rPr lang="ko-KR" altLang="en-US" dirty="0"/>
+              <a:t>알고리즘과 유사하다</a:t>
+            </a:r>
+            <a:r>
+              <a:rPr lang="en-US" altLang="ko-KR" dirty="0"/>
+              <a:t>.</a:t>
+            </a:r>
+          </a:p>
+          <a:p>
+            <a:endParaRPr lang="en-US" altLang="ko-KR" dirty="0"/>
+          </a:p>
+          <a:p>
+            <a:r>
+              <a:rPr lang="ko-KR" altLang="en-US" dirty="0"/>
+              <a:t>특수한 경우 </a:t>
+            </a:r>
+            <a:r>
+              <a:rPr lang="en-US" altLang="ko-KR" dirty="0"/>
+              <a:t>(</a:t>
+            </a:r>
+            <a:r>
+              <a:rPr lang="ko-KR" altLang="en-US" dirty="0"/>
+              <a:t>경로 제한 조건</a:t>
+            </a:r>
+            <a:r>
+              <a:rPr lang="en-US" altLang="ko-KR" dirty="0"/>
+              <a:t>), DFS</a:t>
+            </a:r>
+            <a:r>
+              <a:rPr lang="ko-KR" altLang="en-US" dirty="0"/>
+              <a:t>가 유리할 수도 있다</a:t>
+            </a:r>
+            <a:r>
+              <a:rPr lang="en-US" altLang="ko-KR" dirty="0"/>
+              <a:t>.</a:t>
+            </a:r>
           </a:p>
         </p:txBody>
       </p:sp>
     </p:spTree>
     <p:extLst>
       <p:ext uri="{BB962C8B-B14F-4D97-AF65-F5344CB8AC3E}">
-        <p14:creationId xmlns:p14="http://schemas.microsoft.com/office/powerpoint/2010/main" val="3017779809"/>
+        <p14:creationId xmlns:p14="http://schemas.microsoft.com/office/powerpoint/2010/main" val="2934319536"/>
       </p:ext>
     </p:extLst>
   </p:cSld>
@@ -7824,7 +7970,7 @@
           <p:cNvPr id="2" name="제목 1">
             <a:extLst>
               <a:ext uri="{FF2B5EF4-FFF2-40B4-BE49-F238E27FC236}">
-                <a16:creationId xmlns:a16="http://schemas.microsoft.com/office/drawing/2014/main" id="{64FED9C8-8A13-FC5E-2016-8F8D1083ECFC}"/>
+                <a16:creationId xmlns:a16="http://schemas.microsoft.com/office/drawing/2014/main" id="{5C62AAA0-C97B-4F1B-F3F1-BD145D9F05C2}"/>
               </a:ext>
             </a:extLst>
           </p:cNvPr>
@@ -7842,15 +7988,7 @@
           <a:p>
             <a:r>
               <a:rPr lang="ko-KR" altLang="en-US" dirty="0"/>
-              <a:t>스택을 활용한 </a:t>
-            </a:r>
-            <a:r>
-              <a:rPr lang="en-US" altLang="ko-KR" dirty="0"/>
-              <a:t>DFS</a:t>
-            </a:r>
-            <a:r>
-              <a:rPr lang="ko-KR" altLang="en-US" dirty="0"/>
-              <a:t>의 구현</a:t>
+              <a:t>구현</a:t>
             </a:r>
           </a:p>
         </p:txBody>
@@ -7860,7 +7998,7 @@
           <p:cNvPr id="3" name="내용 개체 틀 2">
             <a:extLst>
               <a:ext uri="{FF2B5EF4-FFF2-40B4-BE49-F238E27FC236}">
-                <a16:creationId xmlns:a16="http://schemas.microsoft.com/office/drawing/2014/main" id="{5B6FD717-3479-1A90-9C4F-A865E270C74D}"/>
+                <a16:creationId xmlns:a16="http://schemas.microsoft.com/office/drawing/2014/main" id="{D05FD74F-C09C-6D0C-316E-53016F97B244}"/>
               </a:ext>
             </a:extLst>
           </p:cNvPr>
@@ -7876,14 +8014,21 @@
           <a:bodyPr/>
           <a:lstStyle/>
           <a:p>
-            <a:endParaRPr lang="ko-KR" altLang="en-US" dirty="0"/>
+            <a:r>
+              <a:rPr lang="en-US" altLang="ko-KR" dirty="0"/>
+              <a:t>dfs_bfs.cpp </a:t>
+            </a:r>
+            <a:r>
+              <a:rPr lang="ko-KR" altLang="en-US" dirty="0"/>
+              <a:t>참조</a:t>
+            </a:r>
           </a:p>
         </p:txBody>
       </p:sp>
     </p:spTree>
     <p:extLst>
       <p:ext uri="{BB962C8B-B14F-4D97-AF65-F5344CB8AC3E}">
-        <p14:creationId xmlns:p14="http://schemas.microsoft.com/office/powerpoint/2010/main" val="3234570987"/>
+        <p14:creationId xmlns:p14="http://schemas.microsoft.com/office/powerpoint/2010/main" val="1720586321"/>
       </p:ext>
     </p:extLst>
   </p:cSld>
@@ -7915,7 +8060,7 @@
           <p:cNvPr id="2" name="제목 1">
             <a:extLst>
               <a:ext uri="{FF2B5EF4-FFF2-40B4-BE49-F238E27FC236}">
-                <a16:creationId xmlns:a16="http://schemas.microsoft.com/office/drawing/2014/main" id="{22B13669-779B-4781-C35F-413DA50AA2AF}"/>
+                <a16:creationId xmlns:a16="http://schemas.microsoft.com/office/drawing/2014/main" id="{59219862-2D8C-2CFD-C517-EBB2F0D043EC}"/>
               </a:ext>
             </a:extLst>
           </p:cNvPr>
@@ -7932,16 +8077,12 @@
           <a:lstStyle/>
           <a:p>
             <a:r>
-              <a:rPr lang="ko-KR" altLang="en-US" dirty="0"/>
-              <a:t>큐를 활용한 </a:t>
-            </a:r>
-            <a:r>
               <a:rPr lang="en-US" altLang="ko-KR" dirty="0"/>
               <a:t>BFS</a:t>
             </a:r>
             <a:r>
               <a:rPr lang="ko-KR" altLang="en-US" dirty="0"/>
-              <a:t>의 구현</a:t>
+              <a:t> 백트래킹</a:t>
             </a:r>
           </a:p>
         </p:txBody>
@@ -7951,7 +8092,7 @@
           <p:cNvPr id="3" name="내용 개체 틀 2">
             <a:extLst>
               <a:ext uri="{FF2B5EF4-FFF2-40B4-BE49-F238E27FC236}">
-                <a16:creationId xmlns:a16="http://schemas.microsoft.com/office/drawing/2014/main" id="{D1A3AA82-61BD-092D-75A5-995AA5E73166}"/>
+                <a16:creationId xmlns:a16="http://schemas.microsoft.com/office/drawing/2014/main" id="{906CF3E3-A85F-C1D7-4DD2-915A5F2D7B7D}"/>
               </a:ext>
             </a:extLst>
           </p:cNvPr>
@@ -7967,14 +8108,103 @@
           <a:bodyPr/>
           <a:lstStyle/>
           <a:p>
-            <a:endParaRPr lang="ko-KR" altLang="en-US"/>
+            <a:r>
+              <a:rPr lang="ko-KR" altLang="en-US" dirty="0"/>
+              <a:t>엄밀히 말하면 </a:t>
+            </a:r>
+            <a:r>
+              <a:rPr lang="en-US" altLang="ko-KR" dirty="0"/>
+              <a:t>‘</a:t>
+            </a:r>
+            <a:r>
+              <a:rPr lang="ko-KR" altLang="en-US" dirty="0"/>
+              <a:t>백</a:t>
+            </a:r>
+            <a:r>
+              <a:rPr lang="en-US" altLang="ko-KR" dirty="0"/>
+              <a:t>’ </a:t>
+            </a:r>
+            <a:r>
+              <a:rPr lang="ko-KR" altLang="en-US" dirty="0" err="1"/>
+              <a:t>트래킹은</a:t>
+            </a:r>
+            <a:r>
+              <a:rPr lang="ko-KR" altLang="en-US" dirty="0"/>
+              <a:t> 아니다</a:t>
+            </a:r>
+            <a:r>
+              <a:rPr lang="en-US" altLang="ko-KR" dirty="0"/>
+              <a:t>.</a:t>
+            </a:r>
+          </a:p>
+          <a:p>
+            <a:endParaRPr lang="en-US" altLang="ko-KR" dirty="0"/>
+          </a:p>
+          <a:p>
+            <a:r>
+              <a:rPr lang="ko-KR" altLang="en-US" dirty="0"/>
+              <a:t>해당 노드까지 가는 경로저장 벡터를 </a:t>
+            </a:r>
+            <a:r>
+              <a:rPr lang="ko-KR" altLang="en-US" dirty="0" err="1"/>
+              <a:t>만들어두고</a:t>
+            </a:r>
+            <a:r>
+              <a:rPr lang="ko-KR" altLang="en-US" dirty="0"/>
+              <a:t> 갱신해 나간다</a:t>
+            </a:r>
+            <a:r>
+              <a:rPr lang="en-US" altLang="ko-KR" dirty="0"/>
+              <a:t>.</a:t>
+            </a:r>
+          </a:p>
+          <a:p>
+            <a:endParaRPr lang="en-US" altLang="ko-KR" dirty="0"/>
+          </a:p>
+          <a:p>
+            <a:r>
+              <a:rPr lang="ko-KR" altLang="en-US" dirty="0"/>
+              <a:t>보통 최단거리는 </a:t>
+            </a:r>
+            <a:r>
+              <a:rPr lang="ko-KR" altLang="en-US" dirty="0" err="1"/>
+              <a:t>다익스트라</a:t>
+            </a:r>
+            <a:r>
+              <a:rPr lang="en-US" altLang="ko-KR" dirty="0"/>
+              <a:t>, </a:t>
+            </a:r>
+            <a:r>
+              <a:rPr lang="ko-KR" altLang="en-US" dirty="0" err="1"/>
+              <a:t>플로이드</a:t>
+            </a:r>
+            <a:r>
+              <a:rPr lang="en-US" altLang="ko-KR" dirty="0"/>
+              <a:t>-</a:t>
+            </a:r>
+            <a:r>
+              <a:rPr lang="ko-KR" altLang="en-US" dirty="0" err="1"/>
+              <a:t>워셜을</a:t>
+            </a:r>
+            <a:r>
+              <a:rPr lang="ko-KR" altLang="en-US" dirty="0"/>
+              <a:t> 쓴다</a:t>
+            </a:r>
+            <a:r>
+              <a:rPr lang="en-US" altLang="ko-KR" dirty="0"/>
+              <a:t>.</a:t>
+            </a:r>
+            <a:br>
+              <a:rPr lang="en-US" altLang="ko-KR" dirty="0"/>
+            </a:br>
+            <a:endParaRPr lang="ko-KR" altLang="en-US" dirty="0"/>
           </a:p>
         </p:txBody>
       </p:sp>
     </p:spTree>
     <p:extLst>
       <p:ext uri="{BB962C8B-B14F-4D97-AF65-F5344CB8AC3E}">
-        <p14:creationId xmlns:p14="http://schemas.microsoft.com/office/powerpoint/2010/main" val="2852331026"/>
+        <p14:creationId xmlns:p14="http://schemas.microsoft.com/office/powerpoint/2010/main" val="359732058"/>
       </p:ext>
     </p:extLst>
   </p:cSld>
@@ -8006,7 +8236,7 @@
           <p:cNvPr id="2" name="제목 1">
             <a:extLst>
               <a:ext uri="{FF2B5EF4-FFF2-40B4-BE49-F238E27FC236}">
-                <a16:creationId xmlns:a16="http://schemas.microsoft.com/office/drawing/2014/main" id="{58C94653-2541-2A48-9525-ECBFCE3E50D7}"/>
+                <a16:creationId xmlns:a16="http://schemas.microsoft.com/office/drawing/2014/main" id="{DD6A4EE1-6B37-7C90-72EB-2B11F39A6E0F}"/>
               </a:ext>
             </a:extLst>
           </p:cNvPr>
@@ -8024,25 +8254,12 @@
           <a:p>
             <a:r>
               <a:rPr lang="en-US" altLang="ko-KR" dirty="0"/>
-              <a:t>DFS</a:t>
-            </a:r>
-            <a:r>
-              <a:rPr lang="ko-KR" altLang="en-US" dirty="0"/>
-              <a:t> </a:t>
-            </a:r>
-            <a:r>
-              <a:rPr lang="en-US" altLang="ko-KR" dirty="0"/>
-              <a:t>VS</a:t>
-            </a:r>
-            <a:r>
-              <a:rPr lang="ko-KR" altLang="en-US" dirty="0"/>
-              <a:t> </a:t>
-            </a:r>
-            <a:r>
-              <a:rPr lang="en-US" altLang="ko-KR" dirty="0"/>
-              <a:t>BFS</a:t>
-            </a:r>
-            <a:endParaRPr lang="ko-KR" altLang="en-US" dirty="0"/>
+              <a:t>2606</a:t>
+            </a:r>
+            <a:r>
+              <a:rPr lang="ko-KR" altLang="en-US" dirty="0"/>
+              <a:t>번 바이러스</a:t>
+            </a:r>
           </a:p>
         </p:txBody>
       </p:sp>
@@ -8051,7 +8268,7 @@
           <p:cNvPr id="3" name="내용 개체 틀 2">
             <a:extLst>
               <a:ext uri="{FF2B5EF4-FFF2-40B4-BE49-F238E27FC236}">
-                <a16:creationId xmlns:a16="http://schemas.microsoft.com/office/drawing/2014/main" id="{3BD66B89-DF1B-F054-7101-1CDEC696B950}"/>
+                <a16:creationId xmlns:a16="http://schemas.microsoft.com/office/drawing/2014/main" id="{D8316E35-9791-974E-998C-890019FDAA35}"/>
               </a:ext>
             </a:extLst>
           </p:cNvPr>
@@ -8068,147 +8285,33 @@
           <a:lstStyle/>
           <a:p>
             <a:r>
-              <a:rPr lang="ko-KR" altLang="en-US" dirty="0"/>
-              <a:t>결론 </a:t>
-            </a:r>
-            <a:r>
-              <a:rPr lang="en-US" altLang="ko-KR" dirty="0"/>
-              <a:t>: </a:t>
-            </a:r>
-            <a:r>
-              <a:rPr lang="ko-KR" altLang="en-US" dirty="0"/>
-              <a:t>높은 확률로 </a:t>
-            </a:r>
-            <a:r>
-              <a:rPr lang="en-US" altLang="ko-KR" dirty="0"/>
-              <a:t>BFS</a:t>
-            </a:r>
-            <a:r>
-              <a:rPr lang="ko-KR" altLang="en-US" dirty="0"/>
-              <a:t>가 유리하다</a:t>
+              <a:rPr lang="en-US" altLang="ko-KR" dirty="0"/>
+              <a:t>BFS or</a:t>
+            </a:r>
+            <a:r>
+              <a:rPr lang="ko-KR" altLang="en-US" dirty="0"/>
+              <a:t> </a:t>
+            </a:r>
+            <a:r>
+              <a:rPr lang="en-US" altLang="ko-KR" dirty="0"/>
+              <a:t>DFS</a:t>
+            </a:r>
+            <a:r>
+              <a:rPr lang="ko-KR" altLang="en-US" dirty="0"/>
+              <a:t> 원하는 알고리즘으로 문제를 풀어봅시다</a:t>
             </a:r>
             <a:r>
               <a:rPr lang="en-US" altLang="ko-KR" dirty="0"/>
               <a:t>.</a:t>
             </a:r>
-            <a:br>
-              <a:rPr lang="en-US" altLang="ko-KR" dirty="0"/>
-            </a:br>
-            <a:br>
-              <a:rPr lang="en-US" altLang="ko-KR" dirty="0"/>
-            </a:br>
-            <a:r>
-              <a:rPr lang="en-US" altLang="ko-KR" dirty="0"/>
-              <a:t>1)</a:t>
-            </a:r>
-            <a:r>
-              <a:rPr lang="ko-KR" altLang="en-US" dirty="0"/>
-              <a:t> </a:t>
-            </a:r>
-            <a:r>
-              <a:rPr lang="en-US" altLang="ko-KR" dirty="0"/>
-              <a:t>O(n) = V+E</a:t>
-            </a:r>
-            <a:r>
-              <a:rPr lang="ko-KR" altLang="en-US" dirty="0"/>
-              <a:t> 로서 시간 복잡도는 같지만</a:t>
-            </a:r>
-            <a:r>
-              <a:rPr lang="en-US" altLang="ko-KR" dirty="0"/>
-              <a:t>, </a:t>
-            </a:r>
-            <a:r>
-              <a:rPr lang="ko-KR" altLang="en-US" dirty="0"/>
-              <a:t>탐색 방법의 차이로 속도 차이 존재</a:t>
-            </a:r>
-            <a:br>
-              <a:rPr lang="en-US" altLang="ko-KR" dirty="0"/>
-            </a:br>
-            <a:br>
-              <a:rPr lang="en-US" altLang="ko-KR" dirty="0"/>
-            </a:br>
-            <a:r>
-              <a:rPr lang="en-US" altLang="ko-KR" dirty="0"/>
-              <a:t>2) BFS </a:t>
-            </a:r>
-            <a:r>
-              <a:rPr lang="ko-KR" altLang="en-US" dirty="0"/>
-              <a:t>와 </a:t>
-            </a:r>
-            <a:r>
-              <a:rPr lang="en-US" altLang="ko-KR" dirty="0"/>
-              <a:t>DFS</a:t>
-            </a:r>
-            <a:r>
-              <a:rPr lang="ko-KR" altLang="en-US" dirty="0"/>
-              <a:t>의 구현난이도는 거의 비슷하다</a:t>
-            </a:r>
-            <a:r>
-              <a:rPr lang="en-US" altLang="ko-KR" dirty="0"/>
-              <a:t>.</a:t>
-            </a:r>
-            <a:br>
-              <a:rPr lang="en-US" altLang="ko-KR" dirty="0"/>
-            </a:br>
-            <a:br>
-              <a:rPr lang="en-US" altLang="ko-KR" dirty="0"/>
-            </a:br>
-            <a:r>
-              <a:rPr lang="en-US" altLang="ko-KR" dirty="0"/>
-              <a:t>3) BFS</a:t>
-            </a:r>
-            <a:r>
-              <a:rPr lang="ko-KR" altLang="en-US" dirty="0"/>
-              <a:t>의 구현 생김새는 </a:t>
-            </a:r>
-            <a:r>
-              <a:rPr lang="en-US" altLang="ko-KR" dirty="0"/>
-              <a:t>Dijkstra, Prim </a:t>
-            </a:r>
-            <a:r>
-              <a:rPr lang="ko-KR" altLang="en-US" dirty="0"/>
-              <a:t>알고리즘과 유사하다</a:t>
-            </a:r>
-            <a:r>
-              <a:rPr lang="en-US" altLang="ko-KR" dirty="0"/>
-              <a:t>.</a:t>
-            </a:r>
-          </a:p>
-          <a:p>
-            <a:endParaRPr lang="en-US" altLang="ko-KR" dirty="0"/>
-          </a:p>
-          <a:p>
-            <a:r>
-              <a:rPr lang="ko-KR" altLang="en-US" dirty="0"/>
-              <a:t>특수한 경우 </a:t>
-            </a:r>
-            <a:r>
-              <a:rPr lang="en-US" altLang="ko-KR" dirty="0"/>
-              <a:t>(</a:t>
-            </a:r>
-            <a:r>
-              <a:rPr lang="ko-KR" altLang="en-US" dirty="0"/>
-              <a:t>경로 제한 조건</a:t>
-            </a:r>
-            <a:r>
-              <a:rPr lang="en-US" altLang="ko-KR" dirty="0"/>
-              <a:t>), DFS</a:t>
-            </a:r>
-            <a:r>
-              <a:rPr lang="ko-KR" altLang="en-US" dirty="0"/>
-              <a:t>가 유리할 수도 있다</a:t>
-            </a:r>
-            <a:r>
-              <a:rPr lang="en-US" altLang="ko-KR" dirty="0"/>
-              <a:t>.</a:t>
-            </a:r>
+            <a:endParaRPr lang="ko-KR" altLang="en-US" dirty="0"/>
           </a:p>
         </p:txBody>
       </p:sp>
     </p:spTree>
     <p:extLst>
       <p:ext uri="{BB962C8B-B14F-4D97-AF65-F5344CB8AC3E}">
-        <p14:creationId xmlns:p14="http://schemas.microsoft.com/office/powerpoint/2010/main" val="2934319536"/>
+        <p14:creationId xmlns:p14="http://schemas.microsoft.com/office/powerpoint/2010/main" val="3590126108"/>
       </p:ext>
     </p:extLst>
   </p:cSld>
@@ -8496,289 +8599,6 @@
 </p:sld>
 </file>
 
-<file path=ppt/slides/slide20.xml><?xml version="1.0" encoding="utf-8"?>
-<p:sld xmlns:a="http://schemas.openxmlformats.org/drawingml/2006/main" xmlns:r="http://schemas.openxmlformats.org/officeDocument/2006/relationships" xmlns:p="http://schemas.openxmlformats.org/presentationml/2006/main">
-  <p:cSld>
-    <p:spTree>
-      <p:nvGrpSpPr>
-        <p:cNvPr id="1" name=""/>
-        <p:cNvGrpSpPr/>
-        <p:nvPr/>
-      </p:nvGrpSpPr>
-      <p:grpSpPr>
-        <a:xfrm>
-          <a:off x="0" y="0"/>
-          <a:ext cx="0" cy="0"/>
-          <a:chOff x="0" y="0"/>
-          <a:chExt cx="0" cy="0"/>
-        </a:xfrm>
-      </p:grpSpPr>
-      <p:sp>
-        <p:nvSpPr>
-          <p:cNvPr id="2" name="제목 1">
-            <a:extLst>
-              <a:ext uri="{FF2B5EF4-FFF2-40B4-BE49-F238E27FC236}">
-                <a16:creationId xmlns:a16="http://schemas.microsoft.com/office/drawing/2014/main" id="{59219862-2D8C-2CFD-C517-EBB2F0D043EC}"/>
-              </a:ext>
-            </a:extLst>
-          </p:cNvPr>
-          <p:cNvSpPr>
-            <a:spLocks noGrp="1"/>
-          </p:cNvSpPr>
-          <p:nvPr>
-            <p:ph type="title"/>
-          </p:nvPr>
-        </p:nvSpPr>
-        <p:spPr/>
-        <p:txBody>
-          <a:bodyPr/>
-          <a:lstStyle/>
-          <a:p>
-            <a:r>
-              <a:rPr lang="en-US" altLang="ko-KR" dirty="0"/>
-              <a:t>BFS</a:t>
-            </a:r>
-            <a:r>
-              <a:rPr lang="ko-KR" altLang="en-US" dirty="0"/>
-              <a:t> 백트래킹</a:t>
-            </a:r>
-          </a:p>
-        </p:txBody>
-      </p:sp>
-      <p:sp>
-        <p:nvSpPr>
-          <p:cNvPr id="3" name="내용 개체 틀 2">
-            <a:extLst>
-              <a:ext uri="{FF2B5EF4-FFF2-40B4-BE49-F238E27FC236}">
-                <a16:creationId xmlns:a16="http://schemas.microsoft.com/office/drawing/2014/main" id="{906CF3E3-A85F-C1D7-4DD2-915A5F2D7B7D}"/>
-              </a:ext>
-            </a:extLst>
-          </p:cNvPr>
-          <p:cNvSpPr>
-            <a:spLocks noGrp="1"/>
-          </p:cNvSpPr>
-          <p:nvPr>
-            <p:ph idx="1"/>
-          </p:nvPr>
-        </p:nvSpPr>
-        <p:spPr/>
-        <p:txBody>
-          <a:bodyPr/>
-          <a:lstStyle/>
-          <a:p>
-            <a:r>
-              <a:rPr lang="ko-KR" altLang="en-US" dirty="0"/>
-              <a:t>엄밀히 말하면 </a:t>
-            </a:r>
-            <a:r>
-              <a:rPr lang="en-US" altLang="ko-KR" dirty="0"/>
-              <a:t>‘</a:t>
-            </a:r>
-            <a:r>
-              <a:rPr lang="ko-KR" altLang="en-US" dirty="0"/>
-              <a:t>백</a:t>
-            </a:r>
-            <a:r>
-              <a:rPr lang="en-US" altLang="ko-KR" dirty="0"/>
-              <a:t>’ </a:t>
-            </a:r>
-            <a:r>
-              <a:rPr lang="ko-KR" altLang="en-US" dirty="0" err="1"/>
-              <a:t>트래킹은</a:t>
-            </a:r>
-            <a:r>
-              <a:rPr lang="ko-KR" altLang="en-US" dirty="0"/>
-              <a:t> 아니다</a:t>
-            </a:r>
-            <a:r>
-              <a:rPr lang="en-US" altLang="ko-KR" dirty="0"/>
-              <a:t>.</a:t>
-            </a:r>
-          </a:p>
-          <a:p>
-            <a:endParaRPr lang="en-US" altLang="ko-KR" dirty="0"/>
-          </a:p>
-          <a:p>
-            <a:r>
-              <a:rPr lang="ko-KR" altLang="en-US" dirty="0"/>
-              <a:t>해당 노드까지 가는 경로저장 벡터를 </a:t>
-            </a:r>
-            <a:r>
-              <a:rPr lang="ko-KR" altLang="en-US" dirty="0" err="1"/>
-              <a:t>만들어두고</a:t>
-            </a:r>
-            <a:r>
-              <a:rPr lang="ko-KR" altLang="en-US" dirty="0"/>
-              <a:t> 갱신해 나간다</a:t>
-            </a:r>
-            <a:r>
-              <a:rPr lang="en-US" altLang="ko-KR" dirty="0"/>
-              <a:t>.</a:t>
-            </a:r>
-          </a:p>
-          <a:p>
-            <a:endParaRPr lang="en-US" altLang="ko-KR" dirty="0"/>
-          </a:p>
-          <a:p>
-            <a:r>
-              <a:rPr lang="ko-KR" altLang="en-US" dirty="0"/>
-              <a:t>보통 최단거리는 </a:t>
-            </a:r>
-            <a:r>
-              <a:rPr lang="ko-KR" altLang="en-US" dirty="0" err="1"/>
-              <a:t>다익스트라</a:t>
-            </a:r>
-            <a:r>
-              <a:rPr lang="en-US" altLang="ko-KR" dirty="0"/>
-              <a:t>, </a:t>
-            </a:r>
-            <a:r>
-              <a:rPr lang="ko-KR" altLang="en-US" dirty="0" err="1"/>
-              <a:t>플로이드</a:t>
-            </a:r>
-            <a:r>
-              <a:rPr lang="en-US" altLang="ko-KR" dirty="0"/>
-              <a:t>-</a:t>
-            </a:r>
-            <a:r>
-              <a:rPr lang="ko-KR" altLang="en-US" dirty="0" err="1"/>
-              <a:t>워셜을</a:t>
-            </a:r>
-            <a:r>
-              <a:rPr lang="ko-KR" altLang="en-US" dirty="0"/>
-              <a:t> 쓴다</a:t>
-            </a:r>
-            <a:r>
-              <a:rPr lang="en-US" altLang="ko-KR" dirty="0"/>
-              <a:t>.</a:t>
-            </a:r>
-            <a:br>
-              <a:rPr lang="en-US" altLang="ko-KR" dirty="0"/>
-            </a:br>
-            <a:endParaRPr lang="ko-KR" altLang="en-US" dirty="0"/>
-          </a:p>
-        </p:txBody>
-      </p:sp>
-    </p:spTree>
-    <p:extLst>
-      <p:ext uri="{BB962C8B-B14F-4D97-AF65-F5344CB8AC3E}">
-        <p14:creationId xmlns:p14="http://schemas.microsoft.com/office/powerpoint/2010/main" val="359732058"/>
-      </p:ext>
-    </p:extLst>
-  </p:cSld>
-  <p:clrMapOvr>
-    <a:masterClrMapping/>
-  </p:clrMapOvr>
-</p:sld>
-</file>
-
-<file path=ppt/slides/slide21.xml><?xml version="1.0" encoding="utf-8"?>
-<p:sld xmlns:a="http://schemas.openxmlformats.org/drawingml/2006/main" xmlns:r="http://schemas.openxmlformats.org/officeDocument/2006/relationships" xmlns:p="http://schemas.openxmlformats.org/presentationml/2006/main">
-  <p:cSld>
-    <p:spTree>
-      <p:nvGrpSpPr>
-        <p:cNvPr id="1" name=""/>
-        <p:cNvGrpSpPr/>
-        <p:nvPr/>
-      </p:nvGrpSpPr>
-      <p:grpSpPr>
-        <a:xfrm>
-          <a:off x="0" y="0"/>
-          <a:ext cx="0" cy="0"/>
-          <a:chOff x="0" y="0"/>
-          <a:chExt cx="0" cy="0"/>
-        </a:xfrm>
-      </p:grpSpPr>
-      <p:sp>
-        <p:nvSpPr>
-          <p:cNvPr id="2" name="제목 1">
-            <a:extLst>
-              <a:ext uri="{FF2B5EF4-FFF2-40B4-BE49-F238E27FC236}">
-                <a16:creationId xmlns:a16="http://schemas.microsoft.com/office/drawing/2014/main" id="{DD6A4EE1-6B37-7C90-72EB-2B11F39A6E0F}"/>
-              </a:ext>
-            </a:extLst>
-          </p:cNvPr>
-          <p:cNvSpPr>
-            <a:spLocks noGrp="1"/>
-          </p:cNvSpPr>
-          <p:nvPr>
-            <p:ph type="title"/>
-          </p:nvPr>
-        </p:nvSpPr>
-        <p:spPr/>
-        <p:txBody>
-          <a:bodyPr/>
-          <a:lstStyle/>
-          <a:p>
-            <a:r>
-              <a:rPr lang="en-US" altLang="ko-KR" dirty="0"/>
-              <a:t>2606</a:t>
-            </a:r>
-            <a:r>
-              <a:rPr lang="ko-KR" altLang="en-US" dirty="0"/>
-              <a:t>번 바이러스</a:t>
-            </a:r>
-          </a:p>
-        </p:txBody>
-      </p:sp>
-      <p:sp>
-        <p:nvSpPr>
-          <p:cNvPr id="3" name="내용 개체 틀 2">
-            <a:extLst>
-              <a:ext uri="{FF2B5EF4-FFF2-40B4-BE49-F238E27FC236}">
-                <a16:creationId xmlns:a16="http://schemas.microsoft.com/office/drawing/2014/main" id="{D8316E35-9791-974E-998C-890019FDAA35}"/>
-              </a:ext>
-            </a:extLst>
-          </p:cNvPr>
-          <p:cNvSpPr>
-            <a:spLocks noGrp="1"/>
-          </p:cNvSpPr>
-          <p:nvPr>
-            <p:ph idx="1"/>
-          </p:nvPr>
-        </p:nvSpPr>
-        <p:spPr/>
-        <p:txBody>
-          <a:bodyPr/>
-          <a:lstStyle/>
-          <a:p>
-            <a:r>
-              <a:rPr lang="en-US" altLang="ko-KR" dirty="0"/>
-              <a:t>BFS or</a:t>
-            </a:r>
-            <a:r>
-              <a:rPr lang="ko-KR" altLang="en-US" dirty="0"/>
-              <a:t> </a:t>
-            </a:r>
-            <a:r>
-              <a:rPr lang="en-US" altLang="ko-KR" dirty="0"/>
-              <a:t>DFS</a:t>
-            </a:r>
-            <a:r>
-              <a:rPr lang="ko-KR" altLang="en-US" dirty="0"/>
-              <a:t> 원하는 알고리즘으로 문제를 풀어봅시다</a:t>
-            </a:r>
-            <a:r>
-              <a:rPr lang="en-US" altLang="ko-KR" dirty="0"/>
-              <a:t>.</a:t>
-            </a:r>
-            <a:endParaRPr lang="ko-KR" altLang="en-US" dirty="0"/>
-          </a:p>
-        </p:txBody>
-      </p:sp>
-    </p:spTree>
-    <p:extLst>
-      <p:ext uri="{BB962C8B-B14F-4D97-AF65-F5344CB8AC3E}">
-        <p14:creationId xmlns:p14="http://schemas.microsoft.com/office/powerpoint/2010/main" val="3590126108"/>
-      </p:ext>
-    </p:extLst>
-  </p:cSld>
-  <p:clrMapOvr>
-    <a:masterClrMapping/>
-  </p:clrMapOvr>
-</p:sld>
-</file>
-
 <file path=ppt/slides/slide3.xml><?xml version="1.0" encoding="utf-8"?>
 <p:sld xmlns:a="http://schemas.openxmlformats.org/drawingml/2006/main" xmlns:r="http://schemas.openxmlformats.org/officeDocument/2006/relationships" xmlns:p="http://schemas.openxmlformats.org/presentationml/2006/main">
   <p:cSld>
@@ -9606,6 +9426,51 @@
           <a:xfrm>
             <a:off x="2449902" y="3194649"/>
             <a:ext cx="900530" cy="0"/>
+          </a:xfrm>
+          <a:prstGeom prst="line">
+            <a:avLst/>
+          </a:prstGeom>
+          <a:ln w="57150">
+            <a:solidFill>
+              <a:srgbClr val="FF0000"/>
+            </a:solidFill>
+          </a:ln>
+        </p:spPr>
+        <p:style>
+          <a:lnRef idx="1">
+            <a:schemeClr val="accent1"/>
+          </a:lnRef>
+          <a:fillRef idx="0">
+            <a:schemeClr val="accent1"/>
+          </a:fillRef>
+          <a:effectRef idx="0">
+            <a:schemeClr val="accent1"/>
+          </a:effectRef>
+          <a:fontRef idx="minor">
+            <a:schemeClr val="tx1"/>
+          </a:fontRef>
+        </p:style>
+      </p:cxnSp>
+      <p:cxnSp>
+        <p:nvCxnSpPr>
+          <p:cNvPr id="6" name="직선 연결선 5">
+            <a:extLst>
+              <a:ext uri="{FF2B5EF4-FFF2-40B4-BE49-F238E27FC236}">
+                <a16:creationId xmlns:a16="http://schemas.microsoft.com/office/drawing/2014/main" id="{9B20134E-858A-82FA-94BB-D8FFC39CDDB8}"/>
+              </a:ext>
+            </a:extLst>
+          </p:cNvPr>
+          <p:cNvCxnSpPr>
+            <a:cxnSpLocks/>
+            <a:stCxn id="4" idx="6"/>
+            <a:endCxn id="8" idx="2"/>
+          </p:cNvCxnSpPr>
+          <p:nvPr/>
+        </p:nvCxnSpPr>
+        <p:spPr>
+          <a:xfrm>
+            <a:off x="1840302" y="5742542"/>
+            <a:ext cx="1556646" cy="0"/>
           </a:xfrm>
           <a:prstGeom prst="line">
             <a:avLst/>
